--- a/public/user/output/U201812791-刘棫欣-1.《喜马拉雅FM免费增值策略对用户留存的影响的实证研究》/output_9_1.pptx
+++ b/public/user/output/U201812791-刘棫欣-1.《喜马拉雅FM免费增值策略对用户留存的影响的实证研究》/output_9_1.pptx
@@ -3619,7 +3619,7 @@
               </a:defRPr>
             </a:pPr>
             <a:r>
-              <a:t>实证研究类v3</a:t>
+              <a:t>1. 专辑情况</a:t>
             </a:r>
           </a:p>
         </p:txBody>
@@ -3655,7 +3655,7 @@
               </a:defRPr>
             </a:pPr>
             <a:r>
-              <a:t>1. 专辑更新情况：多数专辑日更集数约1，少量大于10；专辑存在年限均值约2年，多数在3年以内，少量达5 - 6年。</a:t>
+              <a:t>- 多数专辑日更集数约1，少量大于10；专辑存在年限均值约2年，多数在3年以内，少量达5 - 6年。</a:t>
             </a:r>
           </a:p>
         </p:txBody>
@@ -3691,7 +3691,7 @@
               </a:defRPr>
             </a:pPr>
             <a:r>
-              <a:t>2. 变量分布：付费转化率近正态，多数小于1；收费节点多数在20%内，均值约18%；声音价格多数在0.22内，均值0.22。</a:t>
+              <a:t>- 付费转化率基本正态分布，多数小于1；收费节点多数在20%以内，均值约18%；平均每个声音价格多数在0.22以内，均值0.22。</a:t>
             </a:r>
           </a:p>
         </p:txBody>
@@ -3719,6 +3719,42 @@
           <a:lstStyle/>
           <a:p>
             <a:pPr>
+              <a:defRPr b="1" sz="2200">
+                <a:solidFill>
+                  <a:srgbClr val="000000"/>
+                </a:solidFill>
+                <a:latin typeface="微软雅黑"/>
+              </a:defRPr>
+            </a:pPr>
+            <a:r>
+              <a:t>2. 分类变量</a:t>
+            </a:r>
+          </a:p>
+        </p:txBody>
+      </p:sp>
+      <p:sp>
+        <p:nvSpPr>
+          <p:cNvPr id="9" name="TextBox 8"/>
+          <p:cNvSpPr txBox="1"/>
+          <p:nvPr/>
+        </p:nvSpPr>
+        <p:spPr>
+          <a:xfrm>
+            <a:off x="1371600" y="6126480"/>
+            <a:ext cx="9144000" cy="1371600"/>
+          </a:xfrm>
+          <a:prstGeom prst="rect">
+            <a:avLst/>
+          </a:prstGeom>
+          <a:noFill/>
+        </p:spPr>
+        <p:txBody>
+          <a:bodyPr wrap="square">
+            <a:spAutoFit/>
+          </a:bodyPr>
+          <a:lstStyle/>
+          <a:p>
+            <a:pPr>
               <a:defRPr b="0" sz="2000">
                 <a:solidFill>
                   <a:srgbClr val="000000"/>
@@ -3727,7 +3763,7 @@
               </a:defRPr>
             </a:pPr>
             <a:r>
-              <a:t>3. 分类变量：94%以上专辑支持VIP服务；84%以上专辑提供单声购买模式。</a:t>
+              <a:t>- 收费模式超94%支持VIP服务，极少需单独买专辑或章节。</a:t>
             </a:r>
           </a:p>
         </p:txBody>
